--- a/results/tex/img/ann_img.pptx
+++ b/results/tex/img/ann_img.pptx
@@ -197,7 +197,7 @@
           <a:p>
             <a:fld id="{49EF80AE-1202-9441-B039-70E681F15719}" type="datetimeFigureOut">
               <a:rPr lang="en-US" smtClean="0"/>
-              <a:t>1/9/23</a:t>
+              <a:t>1/16/23</a:t>
             </a:fld>
             <a:endParaRPr lang="en-US"/>
           </a:p>
@@ -698,7 +698,7 @@
           <a:p>
             <a:fld id="{F01249FA-4142-DA42-A0A7-E71B9CE72CA2}" type="datetimeFigureOut">
               <a:rPr lang="en-US" smtClean="0"/>
-              <a:t>1/9/23</a:t>
+              <a:t>1/16/23</a:t>
             </a:fld>
             <a:endParaRPr lang="en-US"/>
           </a:p>
@@ -898,7 +898,7 @@
           <a:p>
             <a:fld id="{F01249FA-4142-DA42-A0A7-E71B9CE72CA2}" type="datetimeFigureOut">
               <a:rPr lang="en-US" smtClean="0"/>
-              <a:t>1/9/23</a:t>
+              <a:t>1/16/23</a:t>
             </a:fld>
             <a:endParaRPr lang="en-US"/>
           </a:p>
@@ -1108,7 +1108,7 @@
           <a:p>
             <a:fld id="{F01249FA-4142-DA42-A0A7-E71B9CE72CA2}" type="datetimeFigureOut">
               <a:rPr lang="en-US" smtClean="0"/>
-              <a:t>1/9/23</a:t>
+              <a:t>1/16/23</a:t>
             </a:fld>
             <a:endParaRPr lang="en-US"/>
           </a:p>
@@ -1308,7 +1308,7 @@
           <a:p>
             <a:fld id="{F01249FA-4142-DA42-A0A7-E71B9CE72CA2}" type="datetimeFigureOut">
               <a:rPr lang="en-US" smtClean="0"/>
-              <a:t>1/9/23</a:t>
+              <a:t>1/16/23</a:t>
             </a:fld>
             <a:endParaRPr lang="en-US"/>
           </a:p>
@@ -1584,7 +1584,7 @@
           <a:p>
             <a:fld id="{F01249FA-4142-DA42-A0A7-E71B9CE72CA2}" type="datetimeFigureOut">
               <a:rPr lang="en-US" smtClean="0"/>
-              <a:t>1/9/23</a:t>
+              <a:t>1/16/23</a:t>
             </a:fld>
             <a:endParaRPr lang="en-US"/>
           </a:p>
@@ -1852,7 +1852,7 @@
           <a:p>
             <a:fld id="{F01249FA-4142-DA42-A0A7-E71B9CE72CA2}" type="datetimeFigureOut">
               <a:rPr lang="en-US" smtClean="0"/>
-              <a:t>1/9/23</a:t>
+              <a:t>1/16/23</a:t>
             </a:fld>
             <a:endParaRPr lang="en-US"/>
           </a:p>
@@ -2267,7 +2267,7 @@
           <a:p>
             <a:fld id="{F01249FA-4142-DA42-A0A7-E71B9CE72CA2}" type="datetimeFigureOut">
               <a:rPr lang="en-US" smtClean="0"/>
-              <a:t>1/9/23</a:t>
+              <a:t>1/16/23</a:t>
             </a:fld>
             <a:endParaRPr lang="en-US"/>
           </a:p>
@@ -2409,7 +2409,7 @@
           <a:p>
             <a:fld id="{F01249FA-4142-DA42-A0A7-E71B9CE72CA2}" type="datetimeFigureOut">
               <a:rPr lang="en-US" smtClean="0"/>
-              <a:t>1/9/23</a:t>
+              <a:t>1/16/23</a:t>
             </a:fld>
             <a:endParaRPr lang="en-US"/>
           </a:p>
@@ -2522,7 +2522,7 @@
           <a:p>
             <a:fld id="{F01249FA-4142-DA42-A0A7-E71B9CE72CA2}" type="datetimeFigureOut">
               <a:rPr lang="en-US" smtClean="0"/>
-              <a:t>1/9/23</a:t>
+              <a:t>1/16/23</a:t>
             </a:fld>
             <a:endParaRPr lang="en-US"/>
           </a:p>
@@ -2835,7 +2835,7 @@
           <a:p>
             <a:fld id="{F01249FA-4142-DA42-A0A7-E71B9CE72CA2}" type="datetimeFigureOut">
               <a:rPr lang="en-US" smtClean="0"/>
-              <a:t>1/9/23</a:t>
+              <a:t>1/16/23</a:t>
             </a:fld>
             <a:endParaRPr lang="en-US"/>
           </a:p>
@@ -3124,7 +3124,7 @@
           <a:p>
             <a:fld id="{F01249FA-4142-DA42-A0A7-E71B9CE72CA2}" type="datetimeFigureOut">
               <a:rPr lang="en-US" smtClean="0"/>
-              <a:t>1/9/23</a:t>
+              <a:t>1/16/23</a:t>
             </a:fld>
             <a:endParaRPr lang="en-US"/>
           </a:p>
@@ -3367,7 +3367,7 @@
           <a:p>
             <a:fld id="{F01249FA-4142-DA42-A0A7-E71B9CE72CA2}" type="datetimeFigureOut">
               <a:rPr lang="en-US" smtClean="0"/>
-              <a:t>1/9/23</a:t>
+              <a:t>1/16/23</a:t>
             </a:fld>
             <a:endParaRPr lang="en-US"/>
           </a:p>
@@ -12438,8 +12438,8 @@
           </a:fontRef>
         </p:style>
       </p:cxnSp>
-      <mc:AlternateContent xmlns:mc="http://schemas.openxmlformats.org/markup-compatibility/2006" xmlns:a14="http://schemas.microsoft.com/office/drawing/2010/main">
-        <mc:Choice Requires="a14">
+      <mc:AlternateContent xmlns:mc="http://schemas.openxmlformats.org/markup-compatibility/2006">
+        <mc:Choice xmlns:a14="http://schemas.microsoft.com/office/drawing/2010/main" Requires="a14">
           <p:sp>
             <p:nvSpPr>
               <p:cNvPr id="149" name="Rettangolo con angoli arrotondati 148">
@@ -12509,7 +12509,7 @@
                             <a:rPr lang="it-IT" sz="1200" b="0" i="1" smtClean="0">
                               <a:latin typeface="Cambria Math" panose="02040503050406030204" pitchFamily="18" charset="0"/>
                             </a:rPr>
-                            <m:t>𝐻</m:t>
+                            <m:t>𝑤</m:t>
                           </m:r>
                         </m:e>
                         <m:sub>
@@ -12517,7 +12517,7 @@
                             <a:rPr lang="it-IT" sz="1200" b="0" i="1" smtClean="0">
                               <a:latin typeface="Cambria Math" panose="02040503050406030204" pitchFamily="18" charset="0"/>
                             </a:rPr>
-                            <m:t>𝑠𝑖</m:t>
+                            <m:t>𝑖</m:t>
                           </m:r>
                         </m:sub>
                       </m:sSub>
@@ -12529,7 +12529,7 @@
             </p:txBody>
           </p:sp>
         </mc:Choice>
-        <mc:Fallback xmlns="">
+        <mc:Fallback>
           <p:sp>
             <p:nvSpPr>
               <p:cNvPr id="149" name="Rettangolo con angoli arrotondati 148">
@@ -12555,7 +12555,7 @@
               <a:blipFill>
                 <a:blip r:embed="rId6"/>
                 <a:stretch>
-                  <a:fillRect l="-13636"/>
+                  <a:fillRect/>
                 </a:stretch>
               </a:blipFill>
               <a:ln w="9525" cap="flat" cmpd="sng" algn="ctr">
@@ -12638,7 +12638,7 @@
                 <a14:m>
                   <m:oMathPara xmlns:m="http://schemas.openxmlformats.org/officeDocument/2006/math">
                     <m:oMathParaPr>
-                      <m:jc m:val="centerGroup"/>
+                      <m:jc m:val="center"/>
                     </m:oMathParaPr>
                     <m:oMath xmlns:m="http://schemas.openxmlformats.org/officeDocument/2006/math">
                       <m:sSub>
@@ -12651,10 +12651,10 @@
                         </m:sSubPr>
                         <m:e>
                           <m:r>
-                            <a:rPr lang="it-IT" sz="1200" i="1">
+                            <a:rPr lang="it-IT" sz="1200" b="0" i="1" smtClean="0">
                               <a:latin typeface="Cambria Math" panose="02040503050406030204" pitchFamily="18" charset="0"/>
                             </a:rPr>
-                            <m:t>𝐻</m:t>
+                            <m:t>𝑤</m:t>
                           </m:r>
                         </m:e>
                         <m:sub>
@@ -12662,7 +12662,19 @@
                             <a:rPr lang="it-IT" sz="1200" b="0" i="1" smtClean="0">
                               <a:latin typeface="Cambria Math" panose="02040503050406030204" pitchFamily="18" charset="0"/>
                             </a:rPr>
-                            <m:t>𝑠𝑙</m:t>
+                            <m:t>𝑖</m:t>
+                          </m:r>
+                          <m:r>
+                            <a:rPr lang="it-IT" sz="1200" b="0" i="1" smtClean="0">
+                              <a:latin typeface="Cambria Math" panose="02040503050406030204" pitchFamily="18" charset="0"/>
+                            </a:rPr>
+                            <m:t>,</m:t>
+                          </m:r>
+                          <m:r>
+                            <a:rPr lang="it-IT" sz="1200" b="0" i="1" smtClean="0">
+                              <a:latin typeface="Cambria Math" panose="02040503050406030204" pitchFamily="18" charset="0"/>
+                            </a:rPr>
+                            <m:t>𝑙</m:t>
                           </m:r>
                         </m:sub>
                       </m:sSub>
@@ -12700,7 +12712,7 @@
               <a:blipFill>
                 <a:blip r:embed="rId7"/>
                 <a:stretch>
-                  <a:fillRect l="-13043"/>
+                  <a:fillRect l="-8696"/>
                 </a:stretch>
               </a:blipFill>
               <a:ln w="9525" cap="flat" cmpd="sng" algn="ctr">
@@ -12789,7 +12801,7 @@
                       <m:sSub>
                         <m:sSubPr>
                           <m:ctrlPr>
-                            <a:rPr lang="en-US" sz="1200" i="1" smtClean="0">
+                            <a:rPr lang="en-US" sz="1200" i="1">
                               <a:latin typeface="Cambria Math" panose="02040503050406030204" pitchFamily="18" charset="0"/>
                             </a:rPr>
                           </m:ctrlPr>
@@ -12799,15 +12811,27 @@
                             <a:rPr lang="it-IT" sz="1200" i="1">
                               <a:latin typeface="Cambria Math" panose="02040503050406030204" pitchFamily="18" charset="0"/>
                             </a:rPr>
-                            <m:t>𝐻</m:t>
+                            <m:t>𝑤</m:t>
                           </m:r>
                         </m:e>
                         <m:sub>
                           <m:r>
-                            <a:rPr lang="it-IT" sz="1200" b="0" i="1" smtClean="0">
+                            <a:rPr lang="it-IT" sz="1200" i="1">
                               <a:latin typeface="Cambria Math" panose="02040503050406030204" pitchFamily="18" charset="0"/>
                             </a:rPr>
-                            <m:t>𝑠𝑙</m:t>
+                            <m:t>𝑖</m:t>
+                          </m:r>
+                          <m:r>
+                            <a:rPr lang="it-IT" sz="1200" i="1">
+                              <a:latin typeface="Cambria Math" panose="02040503050406030204" pitchFamily="18" charset="0"/>
+                            </a:rPr>
+                            <m:t>,</m:t>
+                          </m:r>
+                          <m:r>
+                            <a:rPr lang="it-IT" sz="1200" i="1">
+                              <a:latin typeface="Cambria Math" panose="02040503050406030204" pitchFamily="18" charset="0"/>
+                            </a:rPr>
+                            <m:t>𝑙</m:t>
                           </m:r>
                         </m:sub>
                       </m:sSub>
@@ -12845,7 +12869,7 @@
               <a:blipFill>
                 <a:blip r:embed="rId8"/>
                 <a:stretch>
-                  <a:fillRect l="-13043"/>
+                  <a:fillRect l="-8696"/>
                 </a:stretch>
               </a:blipFill>
               <a:ln w="9525" cap="flat" cmpd="sng" algn="ctr">
@@ -12934,7 +12958,7 @@
                       <m:sSub>
                         <m:sSubPr>
                           <m:ctrlPr>
-                            <a:rPr lang="en-US" sz="1200" i="1" smtClean="0">
+                            <a:rPr lang="en-US" sz="1200" i="1">
                               <a:latin typeface="Cambria Math" panose="02040503050406030204" pitchFamily="18" charset="0"/>
                             </a:rPr>
                           </m:ctrlPr>
@@ -12944,15 +12968,27 @@
                             <a:rPr lang="it-IT" sz="1200" i="1">
                               <a:latin typeface="Cambria Math" panose="02040503050406030204" pitchFamily="18" charset="0"/>
                             </a:rPr>
-                            <m:t>𝐻</m:t>
+                            <m:t>𝑤</m:t>
                           </m:r>
                         </m:e>
                         <m:sub>
                           <m:r>
-                            <a:rPr lang="it-IT" sz="1200" b="0" i="1" smtClean="0">
+                            <a:rPr lang="it-IT" sz="1200" i="1">
                               <a:latin typeface="Cambria Math" panose="02040503050406030204" pitchFamily="18" charset="0"/>
                             </a:rPr>
-                            <m:t>𝑠𝑙</m:t>
+                            <m:t>𝑖</m:t>
+                          </m:r>
+                          <m:r>
+                            <a:rPr lang="it-IT" sz="1200" i="1">
+                              <a:latin typeface="Cambria Math" panose="02040503050406030204" pitchFamily="18" charset="0"/>
+                            </a:rPr>
+                            <m:t>,</m:t>
+                          </m:r>
+                          <m:r>
+                            <a:rPr lang="it-IT" sz="1200" i="1">
+                              <a:latin typeface="Cambria Math" panose="02040503050406030204" pitchFamily="18" charset="0"/>
+                            </a:rPr>
+                            <m:t>𝑙</m:t>
                           </m:r>
                         </m:sub>
                       </m:sSub>
